--- a/AirFlow.pptx
+++ b/AirFlow.pptx
@@ -3402,6 +3402,11 @@
           <a:p>
             <a:r>
               <a:rPr lang="en-IN" sz="3600" b="1" dirty="0">
+                <a:solidFill>
+                  <a:schemeClr val="bg1">
+                    <a:lumMod val="85000"/>
+                  </a:schemeClr>
+                </a:solidFill>
                 <a:latin typeface="Bahnschrift" panose="020B0502040204020203" pitchFamily="34" charset="0"/>
               </a:rPr>
               <a:t>AirFlow – A airport database management system </a:t>
@@ -3423,7 +3428,7 @@
         </p:nvSpPr>
         <p:spPr>
           <a:xfrm>
-            <a:off x="493159" y="4500081"/>
+            <a:off x="308224" y="5537771"/>
             <a:ext cx="5342562" cy="1200329"/>
           </a:xfrm>
           <a:prstGeom prst="rect">
@@ -3627,7 +3632,7 @@
                 </a:solidFill>
                 <a:latin typeface="Bahnschrift" panose="020B0502040204020203" pitchFamily="34" charset="0"/>
               </a:rPr>
-              <a:t>city -&gt; City of the airport</a:t>
+              <a:t>city -&gt;    City of the airport</a:t>
             </a:r>
           </a:p>
           <a:p>
@@ -3643,7 +3648,7 @@
                 </a:solidFill>
                 <a:latin typeface="Bahnschrift" panose="020B0502040204020203" pitchFamily="34" charset="0"/>
               </a:rPr>
-              <a:t>run_c -&gt; Id of the airport</a:t>
+              <a:t>run_c -&gt; Independent runway count at the airport</a:t>
             </a:r>
           </a:p>
           <a:p>
@@ -3795,8 +3800,28 @@
                   </a:schemeClr>
                 </a:solidFill>
               </a:rPr>
-              <a:t>delta -&gt; time between which run_c flight should scheduled at the airport</a:t>
-            </a:r>
+              <a:t>delta -&gt; </a:t>
+            </a:r>
+            <a:r>
+              <a:rPr lang="en-US" b="0" i="0" dirty="0">
+                <a:solidFill>
+                  <a:schemeClr val="bg2">
+                    <a:lumMod val="75000"/>
+                  </a:schemeClr>
+                </a:solidFill>
+                <a:effectLst/>
+                <a:latin typeface="Bahnschrift" panose="020B0502040204020203" pitchFamily="34" charset="0"/>
+              </a:rPr>
+              <a:t>At every airport, in any time interval of duration 'delta', there must be at most run_c flights departing or arriving at that airport.</a:t>
+            </a:r>
+            <a:endParaRPr lang="en-IN" dirty="0">
+              <a:solidFill>
+                <a:schemeClr val="bg2">
+                  <a:lumMod val="75000"/>
+                </a:schemeClr>
+              </a:solidFill>
+              <a:latin typeface="Bahnschrift" panose="020B0502040204020203" pitchFamily="34" charset="0"/>
+            </a:endParaRPr>
           </a:p>
           <a:p>
             <a:pPr marL="0" indent="0">
@@ -4908,7 +4933,7 @@
                 </a:solidFill>
                 <a:latin typeface="Bahnschrift" panose="020B0502040204020203" pitchFamily="34" charset="0"/>
               </a:rPr>
-              <a:t>Databases involved ::</a:t>
+              <a:t>Tables involved ::</a:t>
             </a:r>
           </a:p>
           <a:p>
@@ -5004,7 +5029,7 @@
                 </a:solidFill>
                 <a:latin typeface="Bahnschrift" panose="020B0502040204020203" pitchFamily="34" charset="0"/>
               </a:rPr>
-              <a:t>		congestionIndex </a:t>
+              <a:t>		CongestionIndex </a:t>
             </a:r>
           </a:p>
           <a:p>
@@ -5163,7 +5188,7 @@
                 </a:solidFill>
                 <a:latin typeface="Bahnschrift" panose="020B0502040204020203" pitchFamily="34" charset="0"/>
               </a:rPr>
-              <a:t>model_id -&gt; Id of the model ( Primary key ) </a:t>
+              <a:t>model_id -&gt; Model no of the aircraft</a:t>
             </a:r>
           </a:p>
           <a:p>
@@ -5179,7 +5204,7 @@
                 </a:solidFill>
                 <a:latin typeface="Bahnschrift" panose="020B0502040204020203" pitchFamily="34" charset="0"/>
               </a:rPr>
-              <a:t>name  -&gt; Name of the aircraft</a:t>
+              <a:t>name  -&gt;     Name of the aircraft</a:t>
             </a:r>
           </a:p>
           <a:p>
@@ -5195,7 +5220,7 @@
                 </a:solidFill>
                 <a:latin typeface="Bahnschrift" panose="020B0502040204020203" pitchFamily="34" charset="0"/>
               </a:rPr>
-              <a:t>seats -&gt; Seats on the aircraft</a:t>
+              <a:t>seats -&gt;      Seats on the aircraft</a:t>
             </a:r>
           </a:p>
           <a:p>
@@ -5211,7 +5236,7 @@
                 </a:solidFill>
                 <a:latin typeface="Bahnschrift" panose="020B0502040204020203" pitchFamily="34" charset="0"/>
               </a:rPr>
-              <a:t>a_stat -&gt; Status of the aircraft ( Operational/Suspended/Maintainance)</a:t>
+              <a:t>a_stat -&gt;     Status of the aircraft ( Operational/Suspended/Maintainance)</a:t>
             </a:r>
           </a:p>
           <a:p>
@@ -5353,7 +5378,7 @@
                 </a:solidFill>
                 <a:latin typeface="Bahnschrift" panose="020B0502040204020203" pitchFamily="34" charset="0"/>
               </a:rPr>
-              <a:t>user -&gt; User id of the passenger</a:t>
+              <a:t>user -&gt;          User id of the passenger</a:t>
             </a:r>
           </a:p>
           <a:p>
@@ -5369,7 +5394,7 @@
                 </a:solidFill>
                 <a:latin typeface="Bahnschrift" panose="020B0502040204020203" pitchFamily="34" charset="0"/>
               </a:rPr>
-              <a:t>fl_id -&gt;Flight id of the flight</a:t>
+              <a:t>fl_id -&gt;           Flight id of the flight</a:t>
             </a:r>
           </a:p>
           <a:p>
@@ -5385,7 +5410,7 @@
                 </a:solidFill>
                 <a:latin typeface="Bahnschrift" panose="020B0502040204020203" pitchFamily="34" charset="0"/>
               </a:rPr>
-              <a:t>seat_n -&gt;Seat number</a:t>
+              <a:t>seat_n -&gt;       Seat number</a:t>
             </a:r>
           </a:p>
           <a:p>
@@ -5417,7 +5442,7 @@
                 </a:solidFill>
                 <a:latin typeface="Bahnschrift" panose="020B0502040204020203" pitchFamily="34" charset="0"/>
               </a:rPr>
-              <a:t>Status -&gt; Staus of the booking (Confirmed/Pending)</a:t>
+              <a:t>status -&gt;       Staus of the booking (Confirmed/Pending)</a:t>
             </a:r>
           </a:p>
           <a:p>
@@ -5546,7 +5571,7 @@
                 </a:solidFill>
                 <a:latin typeface="Bahnschrift" panose="020B0502040204020203" pitchFamily="34" charset="0"/>
               </a:rPr>
-              <a:t>aircraft  -&gt; aircraft id of the flight (Foreign key to aircraft)</a:t>
+              <a:t>aircraft  -&gt;     Aircraft id of the flight (Foreign key to aircraft)</a:t>
             </a:r>
           </a:p>
           <a:p>
@@ -5562,7 +5587,7 @@
                 </a:solidFill>
                 <a:latin typeface="Bahnschrift" panose="020B0502040204020203" pitchFamily="34" charset="0"/>
               </a:rPr>
-              <a:t>airline -&gt; Name of the airline (Foreign key to airline )</a:t>
+              <a:t>airline -&gt;        Name of the airline (Foreign key to airline )</a:t>
             </a:r>
           </a:p>
           <a:p>
@@ -5610,7 +5635,7 @@
                 </a:solidFill>
                 <a:latin typeface="Bahnschrift" panose="020B0502040204020203" pitchFamily="34" charset="0"/>
               </a:rPr>
-              <a:t>dep_time -&gt; Departure time of the flight</a:t>
+              <a:t>dep_time -&gt;    Departure time of the flight</a:t>
             </a:r>
           </a:p>
           <a:p>
@@ -5626,7 +5651,7 @@
                 </a:solidFill>
                 <a:latin typeface="Bahnschrift" panose="020B0502040204020203" pitchFamily="34" charset="0"/>
               </a:rPr>
-              <a:t>arr_time -&gt; Arrival time of the flight</a:t>
+              <a:t>arr_time -&gt;     Arrival time of the flight</a:t>
             </a:r>
           </a:p>
           <a:p>
@@ -5642,7 +5667,7 @@
                 </a:solidFill>
                 <a:latin typeface="Bahnschrift" panose="020B0502040204020203" pitchFamily="34" charset="0"/>
               </a:rPr>
-              <a:t>Fare -&gt; Fare of the flight</a:t>
+              <a:t>fare -&gt;            Fare of the flight</a:t>
             </a:r>
           </a:p>
           <a:p>
@@ -5658,7 +5683,7 @@
                 </a:solidFill>
                 <a:latin typeface="Bahnschrift" panose="020B0502040204020203" pitchFamily="34" charset="0"/>
               </a:rPr>
-              <a:t>fl_status -&gt; Status of the flight</a:t>
+              <a:t>fl_status -&gt;    Status of the flight</a:t>
             </a:r>
           </a:p>
           <a:p>
